--- a/ipsa/slides/testing.pptx
+++ b/ipsa/slides/testing.pptx
@@ -151,7 +151,7 @@
 <file path=ppt/revisionInfo.xml><?xml version="1.0" encoding="utf-8"?>
 <p1510:revInfo xmlns:a="http://schemas.openxmlformats.org/drawingml/2006/main" xmlns:r="http://schemas.openxmlformats.org/officeDocument/2006/relationships" xmlns:p1510="http://schemas.microsoft.com/office/powerpoint/2015/10/main">
   <p1510:revLst>
-    <p1510:client id="{AEEA7E2C-EA00-4367-9D76-8F081084676A}" v="38" dt="2022-10-05T17:16:37.435"/>
+    <p1510:client id="{E8A449E6-1960-44C6-B39C-06B5E76DE498}" v="128" dt="2023-03-12T14:36:10.646"/>
   </p1510:revLst>
 </p1510:revInfo>
 </file>
@@ -341,6 +341,38 @@
             <ac:graphicFrameMk id="5" creationId="{FE111968-1638-4444-A129-DD8554BDC4AF}"/>
           </ac:graphicFrameMkLst>
         </pc:graphicFrameChg>
+      </pc:sldChg>
+    </pc:docChg>
+  </pc:docChgLst>
+  <pc:docChgLst>
+    <pc:chgData name="Gerth Stølting Brodal" userId="04ef4784-6591-4f86-a140-f5c3b108582a" providerId="ADAL" clId="{E8A449E6-1960-44C6-B39C-06B5E76DE498}"/>
+    <pc:docChg chg="custSel modSld">
+      <pc:chgData name="Gerth Stølting Brodal" userId="04ef4784-6591-4f86-a140-f5c3b108582a" providerId="ADAL" clId="{E8A449E6-1960-44C6-B39C-06B5E76DE498}" dt="2023-03-12T14:40:27.871" v="235" actId="20577"/>
+      <pc:docMkLst>
+        <pc:docMk/>
+      </pc:docMkLst>
+      <pc:sldChg chg="modSp mod modAnim modNotesTx">
+        <pc:chgData name="Gerth Stølting Brodal" userId="04ef4784-6591-4f86-a140-f5c3b108582a" providerId="ADAL" clId="{E8A449E6-1960-44C6-B39C-06B5E76DE498}" dt="2023-03-12T14:40:27.871" v="235" actId="20577"/>
+        <pc:sldMkLst>
+          <pc:docMk/>
+          <pc:sldMk cId="3762067574" sldId="724"/>
+        </pc:sldMkLst>
+        <pc:spChg chg="mod">
+          <ac:chgData name="Gerth Stølting Brodal" userId="04ef4784-6591-4f86-a140-f5c3b108582a" providerId="ADAL" clId="{E8A449E6-1960-44C6-B39C-06B5E76DE498}" dt="2023-03-12T14:36:10.646" v="135" actId="20577"/>
+          <ac:spMkLst>
+            <pc:docMk/>
+            <pc:sldMk cId="3762067574" sldId="724"/>
+            <ac:spMk id="12" creationId="{00000000-0000-0000-0000-000000000000}"/>
+          </ac:spMkLst>
+        </pc:spChg>
+        <pc:cxnChg chg="mod">
+          <ac:chgData name="Gerth Stølting Brodal" userId="04ef4784-6591-4f86-a140-f5c3b108582a" providerId="ADAL" clId="{E8A449E6-1960-44C6-B39C-06B5E76DE498}" dt="2023-03-12T14:36:19.003" v="136" actId="14100"/>
+          <ac:cxnSpMkLst>
+            <pc:docMk/>
+            <pc:sldMk cId="3762067574" sldId="724"/>
+            <ac:cxnSpMk id="6" creationId="{00000000-0000-0000-0000-000000000000}"/>
+          </ac:cxnSpMkLst>
+        </pc:cxnChg>
       </pc:sldChg>
     </pc:docChg>
   </pc:docChgLst>
@@ -538,7 +570,7 @@
           <a:p>
             <a:fld id="{FB1A172F-81D4-4DC4-9113-1DBD56EC3646}" type="datetimeFigureOut">
               <a:rPr lang="en-US" smtClean="0"/>
-              <a:t>10/5/2022</a:t>
+              <a:t>3/12/2023</a:t>
             </a:fld>
             <a:endParaRPr lang="en-US"/>
           </a:p>
@@ -1031,6 +1063,350 @@
           <a:bodyPr/>
           <a:lstStyle/>
           <a:p>
+            <a:r>
+              <a:rPr lang="da-DK" dirty="0" err="1"/>
+              <a:t>code</a:t>
+            </a:r>
+            <a:r>
+              <a:rPr lang="da-DK" dirty="0"/>
+              <a:t> </a:t>
+            </a:r>
+            <a:r>
+              <a:rPr lang="da-DK" dirty="0" err="1"/>
+              <a:t>coverage</a:t>
+            </a:r>
+            <a:r>
+              <a:rPr lang="da-DK" dirty="0"/>
+              <a:t> </a:t>
+            </a:r>
+            <a:r>
+              <a:rPr lang="da-DK" i="1" dirty="0" err="1"/>
+              <a:t>does</a:t>
+            </a:r>
+            <a:r>
+              <a:rPr lang="da-DK" i="1" dirty="0"/>
+              <a:t> not </a:t>
+            </a:r>
+            <a:r>
+              <a:rPr lang="da-DK" dirty="0" err="1"/>
+              <a:t>ensure</a:t>
+            </a:r>
+            <a:r>
+              <a:rPr lang="da-DK" dirty="0"/>
+              <a:t> all branches </a:t>
+            </a:r>
+            <a:r>
+              <a:rPr lang="da-DK" dirty="0" err="1"/>
+              <a:t>are</a:t>
+            </a:r>
+            <a:r>
+              <a:rPr lang="da-DK" dirty="0"/>
+              <a:t> </a:t>
+            </a:r>
+            <a:r>
+              <a:rPr lang="da-DK" dirty="0" err="1"/>
+              <a:t>taken</a:t>
+            </a:r>
+            <a:r>
+              <a:rPr lang="da-DK" dirty="0"/>
+              <a:t> (an ”</a:t>
+            </a:r>
+            <a:r>
+              <a:rPr lang="da-DK" dirty="0" err="1"/>
+              <a:t>if</a:t>
+            </a:r>
+            <a:r>
+              <a:rPr lang="da-DK" dirty="0"/>
+              <a:t>:” </a:t>
+            </a:r>
+            <a:r>
+              <a:rPr lang="da-DK" dirty="0" err="1"/>
+              <a:t>might</a:t>
+            </a:r>
+            <a:r>
+              <a:rPr lang="da-DK" dirty="0"/>
+              <a:t> not have an ”</a:t>
+            </a:r>
+            <a:r>
+              <a:rPr lang="da-DK" dirty="0" err="1"/>
+              <a:t>else</a:t>
+            </a:r>
+            <a:r>
+              <a:rPr lang="da-DK" dirty="0"/>
+              <a:t>:” part)</a:t>
+            </a:r>
+          </a:p>
+          <a:p>
+            <a:endParaRPr lang="da-DK" dirty="0"/>
+          </a:p>
+          <a:p>
+            <a:r>
+              <a:rPr lang="da-DK" dirty="0" err="1"/>
+              <a:t>Goldbach’s</a:t>
+            </a:r>
+            <a:r>
+              <a:rPr lang="da-DK" dirty="0"/>
+              <a:t> </a:t>
+            </a:r>
+            <a:r>
+              <a:rPr lang="da-DK" dirty="0" err="1"/>
+              <a:t>weak</a:t>
+            </a:r>
+            <a:r>
+              <a:rPr lang="da-DK" dirty="0"/>
+              <a:t> </a:t>
+            </a:r>
+            <a:r>
+              <a:rPr lang="da-DK" dirty="0" err="1"/>
+              <a:t>conjecture</a:t>
+            </a:r>
+            <a:r>
+              <a:rPr lang="da-DK" dirty="0"/>
+              <a:t> </a:t>
+            </a:r>
+            <a:r>
+              <a:rPr lang="da-DK" dirty="0" err="1"/>
+              <a:t>states</a:t>
+            </a:r>
+            <a:r>
+              <a:rPr lang="da-DK" dirty="0"/>
+              <a:t> </a:t>
+            </a:r>
+            <a:r>
+              <a:rPr lang="da-DK" dirty="0" err="1"/>
+              <a:t>that</a:t>
+            </a:r>
+            <a:r>
+              <a:rPr lang="da-DK" dirty="0"/>
+              <a:t> line 14 </a:t>
+            </a:r>
+            <a:r>
+              <a:rPr lang="da-DK" dirty="0" err="1"/>
+              <a:t>will</a:t>
+            </a:r>
+            <a:r>
+              <a:rPr lang="da-DK" dirty="0"/>
+              <a:t> never </a:t>
+            </a:r>
+            <a:r>
+              <a:rPr lang="da-DK" dirty="0" err="1"/>
+              <a:t>be</a:t>
+            </a:r>
+            <a:r>
+              <a:rPr lang="da-DK" dirty="0"/>
+              <a:t> </a:t>
+            </a:r>
+            <a:r>
+              <a:rPr lang="da-DK" dirty="0" err="1"/>
+              <a:t>executed</a:t>
+            </a:r>
+            <a:r>
+              <a:rPr lang="da-DK" dirty="0"/>
+              <a:t>, </a:t>
+            </a:r>
+            <a:r>
+              <a:rPr lang="da-DK" dirty="0" err="1"/>
+              <a:t>recently</a:t>
+            </a:r>
+            <a:r>
+              <a:rPr lang="da-DK" dirty="0"/>
+              <a:t> </a:t>
+            </a:r>
+            <a:r>
+              <a:rPr lang="da-DK" dirty="0" err="1"/>
+              <a:t>proved</a:t>
+            </a:r>
+            <a:endParaRPr lang="da-DK" dirty="0"/>
+          </a:p>
+          <a:p>
+            <a:endParaRPr lang="da-DK" dirty="0"/>
+          </a:p>
+          <a:p>
+            <a:r>
+              <a:rPr lang="da-DK" dirty="0" err="1"/>
+              <a:t>Sometimes</a:t>
+            </a:r>
+            <a:r>
+              <a:rPr lang="da-DK" dirty="0"/>
+              <a:t> </a:t>
+            </a:r>
+            <a:r>
+              <a:rPr lang="da-DK" dirty="0" err="1"/>
+              <a:t>you</a:t>
+            </a:r>
+            <a:r>
+              <a:rPr lang="da-DK" dirty="0"/>
+              <a:t> </a:t>
+            </a:r>
+            <a:r>
+              <a:rPr lang="da-DK" dirty="0" err="1"/>
+              <a:t>need</a:t>
+            </a:r>
+            <a:r>
+              <a:rPr lang="da-DK" dirty="0"/>
+              <a:t> </a:t>
+            </a:r>
+            <a:r>
+              <a:rPr lang="da-DK" dirty="0" err="1"/>
+              <a:t>significant</a:t>
+            </a:r>
+            <a:r>
+              <a:rPr lang="da-DK" dirty="0"/>
+              <a:t> </a:t>
+            </a:r>
+            <a:r>
+              <a:rPr lang="da-DK" dirty="0" err="1"/>
+              <a:t>insights</a:t>
+            </a:r>
+            <a:r>
+              <a:rPr lang="da-DK" dirty="0"/>
+              <a:t> </a:t>
+            </a:r>
+            <a:r>
+              <a:rPr lang="da-DK" dirty="0" err="1"/>
+              <a:t>into</a:t>
+            </a:r>
+            <a:r>
+              <a:rPr lang="da-DK" dirty="0"/>
+              <a:t> the problem, </a:t>
+            </a:r>
+            <a:r>
+              <a:rPr lang="da-DK" dirty="0" err="1"/>
+              <a:t>why</a:t>
+            </a:r>
+            <a:r>
+              <a:rPr lang="da-DK" dirty="0"/>
+              <a:t> </a:t>
+            </a:r>
+            <a:r>
+              <a:rPr lang="da-DK" dirty="0" err="1"/>
+              <a:t>some</a:t>
+            </a:r>
+            <a:r>
+              <a:rPr lang="da-DK" dirty="0"/>
+              <a:t> </a:t>
+            </a:r>
+            <a:r>
+              <a:rPr lang="da-DK" dirty="0" err="1"/>
+              <a:t>code</a:t>
+            </a:r>
+            <a:r>
+              <a:rPr lang="da-DK" dirty="0"/>
+              <a:t> </a:t>
+            </a:r>
+            <a:r>
+              <a:rPr lang="da-DK" dirty="0" err="1"/>
+              <a:t>can</a:t>
+            </a:r>
+            <a:r>
+              <a:rPr lang="da-DK" dirty="0"/>
+              <a:t> never </a:t>
+            </a:r>
+            <a:r>
+              <a:rPr lang="da-DK" dirty="0" err="1"/>
+              <a:t>be</a:t>
+            </a:r>
+            <a:r>
+              <a:rPr lang="da-DK" dirty="0"/>
+              <a:t> </a:t>
+            </a:r>
+            <a:r>
+              <a:rPr lang="da-DK" dirty="0" err="1"/>
+              <a:t>executed</a:t>
+            </a:r>
+            <a:r>
+              <a:rPr lang="da-DK" dirty="0"/>
+              <a:t>…</a:t>
+            </a:r>
+          </a:p>
+          <a:p>
+            <a:endParaRPr lang="da-DK" dirty="0"/>
+          </a:p>
+          <a:p>
+            <a:endParaRPr lang="da-DK" dirty="0"/>
+          </a:p>
+        </p:txBody>
+      </p:sp>
+      <p:sp>
+        <p:nvSpPr>
+          <p:cNvPr id="4" name="Slide Number Placeholder 3"/>
+          <p:cNvSpPr>
+            <a:spLocks noGrp="1"/>
+          </p:cNvSpPr>
+          <p:nvPr>
+            <p:ph type="sldNum" sz="quarter" idx="5"/>
+          </p:nvPr>
+        </p:nvSpPr>
+        <p:spPr/>
+        <p:txBody>
+          <a:bodyPr/>
+          <a:lstStyle/>
+          <a:p>
+            <a:fld id="{CD563DD8-32AB-41BE-B1C6-8EAC45222ACE}" type="slidenum">
+              <a:rPr lang="en-US" smtClean="0"/>
+              <a:t>26</a:t>
+            </a:fld>
+            <a:endParaRPr lang="en-US"/>
+          </a:p>
+        </p:txBody>
+      </p:sp>
+    </p:spTree>
+    <p:extLst>
+      <p:ext uri="{BB962C8B-B14F-4D97-AF65-F5344CB8AC3E}">
+        <p14:creationId xmlns:p14="http://schemas.microsoft.com/office/powerpoint/2010/main" val="1773706807"/>
+      </p:ext>
+    </p:extLst>
+  </p:cSld>
+  <p:clrMapOvr>
+    <a:masterClrMapping/>
+  </p:clrMapOvr>
+</p:notes>
+</file>
+
+<file path=ppt/notesSlides/notesSlide11.xml><?xml version="1.0" encoding="utf-8"?>
+<p:notes xmlns:a="http://schemas.openxmlformats.org/drawingml/2006/main" xmlns:r="http://schemas.openxmlformats.org/officeDocument/2006/relationships" xmlns:p="http://schemas.openxmlformats.org/presentationml/2006/main">
+  <p:cSld>
+    <p:spTree>
+      <p:nvGrpSpPr>
+        <p:cNvPr id="1" name=""/>
+        <p:cNvGrpSpPr/>
+        <p:nvPr/>
+      </p:nvGrpSpPr>
+      <p:grpSpPr>
+        <a:xfrm>
+          <a:off x="0" y="0"/>
+          <a:ext cx="0" cy="0"/>
+          <a:chOff x="0" y="0"/>
+          <a:chExt cx="0" cy="0"/>
+        </a:xfrm>
+      </p:grpSpPr>
+      <p:sp>
+        <p:nvSpPr>
+          <p:cNvPr id="2" name="Slide Image Placeholder 1"/>
+          <p:cNvSpPr>
+            <a:spLocks noGrp="1" noRot="1" noChangeAspect="1"/>
+          </p:cNvSpPr>
+          <p:nvPr>
+            <p:ph type="sldImg"/>
+          </p:nvPr>
+        </p:nvSpPr>
+        <p:spPr/>
+      </p:sp>
+      <p:sp>
+        <p:nvSpPr>
+          <p:cNvPr id="3" name="Notes Placeholder 2"/>
+          <p:cNvSpPr>
+            <a:spLocks noGrp="1"/>
+          </p:cNvSpPr>
+          <p:nvPr>
+            <p:ph type="body" idx="1"/>
+          </p:nvPr>
+        </p:nvSpPr>
+        <p:spPr/>
+        <p:txBody>
+          <a:bodyPr/>
+          <a:lstStyle/>
+          <a:p>
             <a:pPr marL="0" marR="0" lvl="0" indent="0" algn="l" defTabSz="914400" rtl="0" eaLnBrk="1" fontAlgn="auto" latinLnBrk="0" hangingPunct="1">
               <a:lnSpc>
                 <a:spcPct val="100000"/>
@@ -1094,7 +1470,7 @@
 </p:notes>
 </file>
 
-<file path=ppt/notesSlides/notesSlide11.xml><?xml version="1.0" encoding="utf-8"?>
+<file path=ppt/notesSlides/notesSlide12.xml><?xml version="1.0" encoding="utf-8"?>
 <p:notes xmlns:a="http://schemas.openxmlformats.org/drawingml/2006/main" xmlns:r="http://schemas.openxmlformats.org/officeDocument/2006/relationships" xmlns:p="http://schemas.openxmlformats.org/presentationml/2006/main">
   <p:cSld>
     <p:spTree>
@@ -1178,102 +1554,6 @@
 </p:notes>
 </file>
 
-<file path=ppt/notesSlides/notesSlide12.xml><?xml version="1.0" encoding="utf-8"?>
-<p:notes xmlns:a="http://schemas.openxmlformats.org/drawingml/2006/main" xmlns:r="http://schemas.openxmlformats.org/officeDocument/2006/relationships" xmlns:p="http://schemas.openxmlformats.org/presentationml/2006/main">
-  <p:cSld>
-    <p:spTree>
-      <p:nvGrpSpPr>
-        <p:cNvPr id="1" name=""/>
-        <p:cNvGrpSpPr/>
-        <p:nvPr/>
-      </p:nvGrpSpPr>
-      <p:grpSpPr>
-        <a:xfrm>
-          <a:off x="0" y="0"/>
-          <a:ext cx="0" cy="0"/>
-          <a:chOff x="0" y="0"/>
-          <a:chExt cx="0" cy="0"/>
-        </a:xfrm>
-      </p:grpSpPr>
-      <p:sp>
-        <p:nvSpPr>
-          <p:cNvPr id="2" name="Slide Image Placeholder 1"/>
-          <p:cNvSpPr>
-            <a:spLocks noGrp="1" noRot="1" noChangeAspect="1"/>
-          </p:cNvSpPr>
-          <p:nvPr>
-            <p:ph type="sldImg"/>
-          </p:nvPr>
-        </p:nvSpPr>
-        <p:spPr/>
-      </p:sp>
-      <p:sp>
-        <p:nvSpPr>
-          <p:cNvPr id="3" name="Notes Placeholder 2"/>
-          <p:cNvSpPr>
-            <a:spLocks noGrp="1"/>
-          </p:cNvSpPr>
-          <p:nvPr>
-            <p:ph type="body" idx="1"/>
-          </p:nvPr>
-        </p:nvSpPr>
-        <p:spPr/>
-        <p:txBody>
-          <a:bodyPr/>
-          <a:lstStyle/>
-          <a:p>
-            <a:r>
-              <a:rPr lang="en-US" dirty="0"/>
-              <a:t>Guido van Rossum (@ Dropbox, 2019) is a core developer</a:t>
-            </a:r>
-            <a:r>
-              <a:rPr lang="en-US" baseline="0" dirty="0"/>
-              <a:t> for </a:t>
-            </a:r>
-            <a:r>
-              <a:rPr lang="en-US" baseline="0" dirty="0" err="1"/>
-              <a:t>mypy</a:t>
-            </a:r>
-            <a:endParaRPr lang="en-US" dirty="0"/>
-          </a:p>
-        </p:txBody>
-      </p:sp>
-      <p:sp>
-        <p:nvSpPr>
-          <p:cNvPr id="4" name="Slide Number Placeholder 3"/>
-          <p:cNvSpPr>
-            <a:spLocks noGrp="1"/>
-          </p:cNvSpPr>
-          <p:nvPr>
-            <p:ph type="sldNum" sz="quarter" idx="10"/>
-          </p:nvPr>
-        </p:nvSpPr>
-        <p:spPr/>
-        <p:txBody>
-          <a:bodyPr/>
-          <a:lstStyle/>
-          <a:p>
-            <a:fld id="{CD563DD8-32AB-41BE-B1C6-8EAC45222ACE}" type="slidenum">
-              <a:rPr lang="en-US" smtClean="0"/>
-              <a:t>29</a:t>
-            </a:fld>
-            <a:endParaRPr lang="en-US"/>
-          </a:p>
-        </p:txBody>
-      </p:sp>
-    </p:spTree>
-    <p:extLst>
-      <p:ext uri="{BB962C8B-B14F-4D97-AF65-F5344CB8AC3E}">
-        <p14:creationId xmlns:p14="http://schemas.microsoft.com/office/powerpoint/2010/main" val="445028457"/>
-      </p:ext>
-    </p:extLst>
-  </p:cSld>
-  <p:clrMapOvr>
-    <a:masterClrMapping/>
-  </p:clrMapOvr>
-</p:notes>
-</file>
-
 <file path=ppt/notesSlides/notesSlide13.xml><?xml version="1.0" encoding="utf-8"?>
 <p:notes xmlns:a="http://schemas.openxmlformats.org/drawingml/2006/main" xmlns:r="http://schemas.openxmlformats.org/officeDocument/2006/relationships" xmlns:p="http://schemas.openxmlformats.org/presentationml/2006/main">
   <p:cSld>
@@ -1320,32 +1600,15 @@
           <a:p>
             <a:r>
               <a:rPr lang="en-US" dirty="0"/>
-              <a:t>global variable __annotations__ contains the annotations</a:t>
+              <a:t>Guido van Rossum (@ Dropbox, 2019) is a core developer</a:t>
             </a:r>
             <a:r>
               <a:rPr lang="en-US" baseline="0" dirty="0"/>
-              <a:t> of global variables</a:t>
-            </a:r>
-          </a:p>
-          <a:p>
-            <a:endParaRPr lang="en-US" baseline="0" dirty="0"/>
-          </a:p>
-          <a:p>
+              <a:t> for </a:t>
+            </a:r>
             <a:r>
               <a:rPr lang="en-US" baseline="0" dirty="0" err="1"/>
-              <a:t>dataclasses</a:t>
-            </a:r>
-            <a:r>
-              <a:rPr lang="en-US" baseline="0" dirty="0"/>
-              <a:t> (@</a:t>
-            </a:r>
-            <a:r>
-              <a:rPr lang="en-US" baseline="0" dirty="0" err="1"/>
-              <a:t>dataclass</a:t>
-            </a:r>
-            <a:r>
-              <a:rPr lang="en-US" baseline="0" dirty="0"/>
-              <a:t> decorator) use type hints</a:t>
+              <a:t>mypy</a:t>
             </a:r>
             <a:endParaRPr lang="en-US" dirty="0"/>
           </a:p>
@@ -1368,7 +1631,7 @@
           <a:p>
             <a:fld id="{CD563DD8-32AB-41BE-B1C6-8EAC45222ACE}" type="slidenum">
               <a:rPr lang="en-US" smtClean="0"/>
-              <a:t>30</a:t>
+              <a:t>29</a:t>
             </a:fld>
             <a:endParaRPr lang="en-US"/>
           </a:p>
@@ -1377,7 +1640,7 @@
     </p:spTree>
     <p:extLst>
       <p:ext uri="{BB962C8B-B14F-4D97-AF65-F5344CB8AC3E}">
-        <p14:creationId xmlns:p14="http://schemas.microsoft.com/office/powerpoint/2010/main" val="2407863961"/>
+        <p14:creationId xmlns:p14="http://schemas.microsoft.com/office/powerpoint/2010/main" val="445028457"/>
       </p:ext>
     </p:extLst>
   </p:cSld>
@@ -1433,6 +1696,119 @@
           <a:p>
             <a:r>
               <a:rPr lang="en-US" dirty="0"/>
+              <a:t>global variable __annotations__ contains the annotations</a:t>
+            </a:r>
+            <a:r>
+              <a:rPr lang="en-US" baseline="0" dirty="0"/>
+              <a:t> of global variables</a:t>
+            </a:r>
+          </a:p>
+          <a:p>
+            <a:endParaRPr lang="en-US" baseline="0" dirty="0"/>
+          </a:p>
+          <a:p>
+            <a:r>
+              <a:rPr lang="en-US" baseline="0" dirty="0" err="1"/>
+              <a:t>dataclasses</a:t>
+            </a:r>
+            <a:r>
+              <a:rPr lang="en-US" baseline="0" dirty="0"/>
+              <a:t> (@</a:t>
+            </a:r>
+            <a:r>
+              <a:rPr lang="en-US" baseline="0" dirty="0" err="1"/>
+              <a:t>dataclass</a:t>
+            </a:r>
+            <a:r>
+              <a:rPr lang="en-US" baseline="0" dirty="0"/>
+              <a:t> decorator) use type hints</a:t>
+            </a:r>
+            <a:endParaRPr lang="en-US" dirty="0"/>
+          </a:p>
+        </p:txBody>
+      </p:sp>
+      <p:sp>
+        <p:nvSpPr>
+          <p:cNvPr id="4" name="Slide Number Placeholder 3"/>
+          <p:cNvSpPr>
+            <a:spLocks noGrp="1"/>
+          </p:cNvSpPr>
+          <p:nvPr>
+            <p:ph type="sldNum" sz="quarter" idx="10"/>
+          </p:nvPr>
+        </p:nvSpPr>
+        <p:spPr/>
+        <p:txBody>
+          <a:bodyPr/>
+          <a:lstStyle/>
+          <a:p>
+            <a:fld id="{CD563DD8-32AB-41BE-B1C6-8EAC45222ACE}" type="slidenum">
+              <a:rPr lang="en-US" smtClean="0"/>
+              <a:t>30</a:t>
+            </a:fld>
+            <a:endParaRPr lang="en-US"/>
+          </a:p>
+        </p:txBody>
+      </p:sp>
+    </p:spTree>
+    <p:extLst>
+      <p:ext uri="{BB962C8B-B14F-4D97-AF65-F5344CB8AC3E}">
+        <p14:creationId xmlns:p14="http://schemas.microsoft.com/office/powerpoint/2010/main" val="2407863961"/>
+      </p:ext>
+    </p:extLst>
+  </p:cSld>
+  <p:clrMapOvr>
+    <a:masterClrMapping/>
+  </p:clrMapOvr>
+</p:notes>
+</file>
+
+<file path=ppt/notesSlides/notesSlide15.xml><?xml version="1.0" encoding="utf-8"?>
+<p:notes xmlns:a="http://schemas.openxmlformats.org/drawingml/2006/main" xmlns:r="http://schemas.openxmlformats.org/officeDocument/2006/relationships" xmlns:p="http://schemas.openxmlformats.org/presentationml/2006/main">
+  <p:cSld>
+    <p:spTree>
+      <p:nvGrpSpPr>
+        <p:cNvPr id="1" name=""/>
+        <p:cNvGrpSpPr/>
+        <p:nvPr/>
+      </p:nvGrpSpPr>
+      <p:grpSpPr>
+        <a:xfrm>
+          <a:off x="0" y="0"/>
+          <a:ext cx="0" cy="0"/>
+          <a:chOff x="0" y="0"/>
+          <a:chExt cx="0" cy="0"/>
+        </a:xfrm>
+      </p:grpSpPr>
+      <p:sp>
+        <p:nvSpPr>
+          <p:cNvPr id="2" name="Slide Image Placeholder 1"/>
+          <p:cNvSpPr>
+            <a:spLocks noGrp="1" noRot="1" noChangeAspect="1"/>
+          </p:cNvSpPr>
+          <p:nvPr>
+            <p:ph type="sldImg"/>
+          </p:nvPr>
+        </p:nvSpPr>
+        <p:spPr/>
+      </p:sp>
+      <p:sp>
+        <p:nvSpPr>
+          <p:cNvPr id="3" name="Notes Placeholder 2"/>
+          <p:cNvSpPr>
+            <a:spLocks noGrp="1"/>
+          </p:cNvSpPr>
+          <p:nvPr>
+            <p:ph type="body" idx="1"/>
+          </p:nvPr>
+        </p:nvSpPr>
+        <p:spPr/>
+        <p:txBody>
+          <a:bodyPr/>
+          <a:lstStyle/>
+          <a:p>
+            <a:r>
+              <a:rPr lang="en-US" dirty="0"/>
               <a:t>x</a:t>
             </a:r>
             <a:r>
@@ -1492,7 +1868,7 @@
 </p:notes>
 </file>
 
-<file path=ppt/notesSlides/notesSlide15.xml><?xml version="1.0" encoding="utf-8"?>
+<file path=ppt/notesSlides/notesSlide16.xml><?xml version="1.0" encoding="utf-8"?>
 <p:notes xmlns:a="http://schemas.openxmlformats.org/drawingml/2006/main" xmlns:r="http://schemas.openxmlformats.org/officeDocument/2006/relationships" xmlns:p="http://schemas.openxmlformats.org/presentationml/2006/main">
   <p:cSld>
     <p:spTree>
@@ -1576,7 +1952,7 @@
 </p:notes>
 </file>
 
-<file path=ppt/notesSlides/notesSlide16.xml><?xml version="1.0" encoding="utf-8"?>
+<file path=ppt/notesSlides/notesSlide17.xml><?xml version="1.0" encoding="utf-8"?>
 <p:notes xmlns:a="http://schemas.openxmlformats.org/drawingml/2006/main" xmlns:r="http://schemas.openxmlformats.org/officeDocument/2006/relationships" xmlns:p="http://schemas.openxmlformats.org/presentationml/2006/main">
   <p:cSld>
     <p:spTree>
@@ -1660,7 +2036,7 @@
 </p:notes>
 </file>
 
-<file path=ppt/notesSlides/notesSlide17.xml><?xml version="1.0" encoding="utf-8"?>
+<file path=ppt/notesSlides/notesSlide18.xml><?xml version="1.0" encoding="utf-8"?>
 <p:notes xmlns:a="http://schemas.openxmlformats.org/drawingml/2006/main" xmlns:r="http://schemas.openxmlformats.org/officeDocument/2006/relationships" xmlns:p="http://schemas.openxmlformats.org/presentationml/2006/main">
   <p:cSld>
     <p:spTree>
@@ -1879,6 +2255,102 @@
           <a:p>
             <a:r>
               <a:rPr lang="en-US" dirty="0"/>
+              <a:t>“fail fast” link to article explain-</a:t>
+            </a:r>
+            <a:r>
+              <a:rPr lang="en-US" dirty="0" err="1"/>
+              <a:t>ing</a:t>
+            </a:r>
+            <a:r>
+              <a:rPr lang="en-US" dirty="0"/>
+              <a:t> the usage of assertions</a:t>
+            </a:r>
+            <a:endParaRPr lang="da-DK" dirty="0"/>
+          </a:p>
+        </p:txBody>
+      </p:sp>
+      <p:sp>
+        <p:nvSpPr>
+          <p:cNvPr id="4" name="Slide Number Placeholder 3"/>
+          <p:cNvSpPr>
+            <a:spLocks noGrp="1"/>
+          </p:cNvSpPr>
+          <p:nvPr>
+            <p:ph type="sldNum" sz="quarter" idx="5"/>
+          </p:nvPr>
+        </p:nvSpPr>
+        <p:spPr/>
+        <p:txBody>
+          <a:bodyPr/>
+          <a:lstStyle/>
+          <a:p>
+            <a:fld id="{CD563DD8-32AB-41BE-B1C6-8EAC45222ACE}" type="slidenum">
+              <a:rPr lang="en-US" smtClean="0"/>
+              <a:t>7</a:t>
+            </a:fld>
+            <a:endParaRPr lang="en-US"/>
+          </a:p>
+        </p:txBody>
+      </p:sp>
+    </p:spTree>
+    <p:extLst>
+      <p:ext uri="{BB962C8B-B14F-4D97-AF65-F5344CB8AC3E}">
+        <p14:creationId xmlns:p14="http://schemas.microsoft.com/office/powerpoint/2010/main" val="2322789865"/>
+      </p:ext>
+    </p:extLst>
+  </p:cSld>
+  <p:clrMapOvr>
+    <a:masterClrMapping/>
+  </p:clrMapOvr>
+</p:notes>
+</file>
+
+<file path=ppt/notesSlides/notesSlide3.xml><?xml version="1.0" encoding="utf-8"?>
+<p:notes xmlns:a="http://schemas.openxmlformats.org/drawingml/2006/main" xmlns:r="http://schemas.openxmlformats.org/officeDocument/2006/relationships" xmlns:p="http://schemas.openxmlformats.org/presentationml/2006/main">
+  <p:cSld>
+    <p:spTree>
+      <p:nvGrpSpPr>
+        <p:cNvPr id="1" name=""/>
+        <p:cNvGrpSpPr/>
+        <p:nvPr/>
+      </p:nvGrpSpPr>
+      <p:grpSpPr>
+        <a:xfrm>
+          <a:off x="0" y="0"/>
+          <a:ext cx="0" cy="0"/>
+          <a:chOff x="0" y="0"/>
+          <a:chExt cx="0" cy="0"/>
+        </a:xfrm>
+      </p:grpSpPr>
+      <p:sp>
+        <p:nvSpPr>
+          <p:cNvPr id="2" name="Slide Image Placeholder 1"/>
+          <p:cNvSpPr>
+            <a:spLocks noGrp="1" noRot="1" noChangeAspect="1"/>
+          </p:cNvSpPr>
+          <p:nvPr>
+            <p:ph type="sldImg"/>
+          </p:nvPr>
+        </p:nvSpPr>
+        <p:spPr/>
+      </p:sp>
+      <p:sp>
+        <p:nvSpPr>
+          <p:cNvPr id="3" name="Notes Placeholder 2"/>
+          <p:cNvSpPr>
+            <a:spLocks noGrp="1"/>
+          </p:cNvSpPr>
+          <p:nvPr>
+            <p:ph type="body" idx="1"/>
+          </p:nvPr>
+        </p:nvSpPr>
+        <p:spPr/>
+        <p:txBody>
+          <a:bodyPr/>
+          <a:lstStyle/>
+          <a:p>
+            <a:r>
+              <a:rPr lang="en-US" dirty="0"/>
               <a:t>Testing for the input type is not necessary in typed languages</a:t>
             </a:r>
             <a:r>
@@ -1925,7 +2397,7 @@
 </p:notes>
 </file>
 
-<file path=ppt/notesSlides/notesSlide3.xml><?xml version="1.0" encoding="utf-8"?>
+<file path=ppt/notesSlides/notesSlide4.xml><?xml version="1.0" encoding="utf-8"?>
 <p:notes xmlns:a="http://schemas.openxmlformats.org/drawingml/2006/main" xmlns:r="http://schemas.openxmlformats.org/officeDocument/2006/relationships" xmlns:p="http://schemas.openxmlformats.org/presentationml/2006/main">
   <p:cSld>
     <p:spTree>
@@ -2009,7 +2481,7 @@
 </p:notes>
 </file>
 
-<file path=ppt/notesSlides/notesSlide4.xml><?xml version="1.0" encoding="utf-8"?>
+<file path=ppt/notesSlides/notesSlide5.xml><?xml version="1.0" encoding="utf-8"?>
 <p:notes xmlns:a="http://schemas.openxmlformats.org/drawingml/2006/main" xmlns:r="http://schemas.openxmlformats.org/officeDocument/2006/relationships" xmlns:p="http://schemas.openxmlformats.org/presentationml/2006/main">
   <p:cSld>
     <p:spTree>
@@ -2093,7 +2565,7 @@
 </p:notes>
 </file>
 
-<file path=ppt/notesSlides/notesSlide5.xml><?xml version="1.0" encoding="utf-8"?>
+<file path=ppt/notesSlides/notesSlide6.xml><?xml version="1.0" encoding="utf-8"?>
 <p:notes xmlns:a="http://schemas.openxmlformats.org/drawingml/2006/main" xmlns:r="http://schemas.openxmlformats.org/officeDocument/2006/relationships" xmlns:p="http://schemas.openxmlformats.org/presentationml/2006/main">
   <p:cSld>
     <p:spTree>
@@ -2177,7 +2649,7 @@
 </p:notes>
 </file>
 
-<file path=ppt/notesSlides/notesSlide6.xml><?xml version="1.0" encoding="utf-8"?>
+<file path=ppt/notesSlides/notesSlide7.xml><?xml version="1.0" encoding="utf-8"?>
 <p:notes xmlns:a="http://schemas.openxmlformats.org/drawingml/2006/main" xmlns:r="http://schemas.openxmlformats.org/officeDocument/2006/relationships" xmlns:p="http://schemas.openxmlformats.org/presentationml/2006/main">
   <p:cSld>
     <p:spTree>
@@ -2261,98 +2733,6 @@
 </p:notes>
 </file>
 
-<file path=ppt/notesSlides/notesSlide7.xml><?xml version="1.0" encoding="utf-8"?>
-<p:notes xmlns:a="http://schemas.openxmlformats.org/drawingml/2006/main" xmlns:r="http://schemas.openxmlformats.org/officeDocument/2006/relationships" xmlns:p="http://schemas.openxmlformats.org/presentationml/2006/main">
-  <p:cSld>
-    <p:spTree>
-      <p:nvGrpSpPr>
-        <p:cNvPr id="1" name=""/>
-        <p:cNvGrpSpPr/>
-        <p:nvPr/>
-      </p:nvGrpSpPr>
-      <p:grpSpPr>
-        <a:xfrm>
-          <a:off x="0" y="0"/>
-          <a:ext cx="0" cy="0"/>
-          <a:chOff x="0" y="0"/>
-          <a:chExt cx="0" cy="0"/>
-        </a:xfrm>
-      </p:grpSpPr>
-      <p:sp>
-        <p:nvSpPr>
-          <p:cNvPr id="2" name="Slide Image Placeholder 1"/>
-          <p:cNvSpPr>
-            <a:spLocks noGrp="1" noRot="1" noChangeAspect="1"/>
-          </p:cNvSpPr>
-          <p:nvPr>
-            <p:ph type="sldImg"/>
-          </p:nvPr>
-        </p:nvSpPr>
-        <p:spPr/>
-      </p:sp>
-      <p:sp>
-        <p:nvSpPr>
-          <p:cNvPr id="3" name="Notes Placeholder 2"/>
-          <p:cNvSpPr>
-            <a:spLocks noGrp="1"/>
-          </p:cNvSpPr>
-          <p:nvPr>
-            <p:ph type="body" idx="1"/>
-          </p:nvPr>
-        </p:nvSpPr>
-        <p:spPr/>
-        <p:txBody>
-          <a:bodyPr/>
-          <a:lstStyle/>
-          <a:p>
-            <a:r>
-              <a:rPr lang="en-US" dirty="0"/>
-              <a:t>glass box</a:t>
-            </a:r>
-            <a:r>
-              <a:rPr lang="en-US" baseline="0" dirty="0"/>
-              <a:t> = you need to know how the code is structured to force different parts to be executed</a:t>
-            </a:r>
-            <a:endParaRPr lang="en-US" dirty="0"/>
-          </a:p>
-        </p:txBody>
-      </p:sp>
-      <p:sp>
-        <p:nvSpPr>
-          <p:cNvPr id="4" name="Slide Number Placeholder 3"/>
-          <p:cNvSpPr>
-            <a:spLocks noGrp="1"/>
-          </p:cNvSpPr>
-          <p:nvPr>
-            <p:ph type="sldNum" sz="quarter" idx="10"/>
-          </p:nvPr>
-        </p:nvSpPr>
-        <p:spPr/>
-        <p:txBody>
-          <a:bodyPr/>
-          <a:lstStyle/>
-          <a:p>
-            <a:fld id="{CD563DD8-32AB-41BE-B1C6-8EAC45222ACE}" type="slidenum">
-              <a:rPr lang="en-US" smtClean="0"/>
-              <a:t>19</a:t>
-            </a:fld>
-            <a:endParaRPr lang="en-US"/>
-          </a:p>
-        </p:txBody>
-      </p:sp>
-    </p:spTree>
-    <p:extLst>
-      <p:ext uri="{BB962C8B-B14F-4D97-AF65-F5344CB8AC3E}">
-        <p14:creationId xmlns:p14="http://schemas.microsoft.com/office/powerpoint/2010/main" val="2664680289"/>
-      </p:ext>
-    </p:extLst>
-  </p:cSld>
-  <p:clrMapOvr>
-    <a:masterClrMapping/>
-  </p:clrMapOvr>
-</p:notes>
-</file>
-
 <file path=ppt/notesSlides/notesSlide8.xml><?xml version="1.0" encoding="utf-8"?>
 <p:notes xmlns:a="http://schemas.openxmlformats.org/drawingml/2006/main" xmlns:r="http://schemas.openxmlformats.org/officeDocument/2006/relationships" xmlns:p="http://schemas.openxmlformats.org/presentationml/2006/main">
   <p:cSld>
@@ -2399,17 +2779,13 @@
           <a:p>
             <a:r>
               <a:rPr lang="en-US" dirty="0"/>
-              <a:t>default verbosity level is 1;</a:t>
+              <a:t>glass box</a:t>
             </a:r>
             <a:r>
               <a:rPr lang="en-US" baseline="0" dirty="0"/>
-              <a:t> level 2 increases the amount of output generated during the </a:t>
-            </a:r>
-            <a:r>
-              <a:rPr lang="en-US" baseline="0"/>
-              <a:t>testing phase</a:t>
-            </a:r>
-            <a:endParaRPr lang="en-US"/>
+              <a:t> = you need to know how the code is structured to force different parts to be executed</a:t>
+            </a:r>
+            <a:endParaRPr lang="en-US" dirty="0"/>
           </a:p>
         </p:txBody>
       </p:sp>
@@ -2430,7 +2806,7 @@
           <a:p>
             <a:fld id="{CD563DD8-32AB-41BE-B1C6-8EAC45222ACE}" type="slidenum">
               <a:rPr lang="en-US" smtClean="0"/>
-              <a:t>23</a:t>
+              <a:t>19</a:t>
             </a:fld>
             <a:endParaRPr lang="en-US"/>
           </a:p>
@@ -2439,7 +2815,7 @@
     </p:spTree>
     <p:extLst>
       <p:ext uri="{BB962C8B-B14F-4D97-AF65-F5344CB8AC3E}">
-        <p14:creationId xmlns:p14="http://schemas.microsoft.com/office/powerpoint/2010/main" val="2286903715"/>
+        <p14:creationId xmlns:p14="http://schemas.microsoft.com/office/powerpoint/2010/main" val="2664680289"/>
       </p:ext>
     </p:extLst>
   </p:cSld>
@@ -2494,266 +2870,18 @@
           <a:lstStyle/>
           <a:p>
             <a:r>
-              <a:rPr lang="da-DK" dirty="0" err="1"/>
-              <a:t>code</a:t>
-            </a:r>
-            <a:r>
-              <a:rPr lang="da-DK" dirty="0"/>
-              <a:t> </a:t>
-            </a:r>
-            <a:r>
-              <a:rPr lang="da-DK" dirty="0" err="1"/>
-              <a:t>coverage</a:t>
-            </a:r>
-            <a:r>
-              <a:rPr lang="da-DK" dirty="0"/>
-              <a:t> </a:t>
-            </a:r>
-            <a:r>
-              <a:rPr lang="da-DK" i="1" dirty="0" err="1"/>
-              <a:t>does</a:t>
-            </a:r>
-            <a:r>
-              <a:rPr lang="da-DK" i="1" dirty="0"/>
-              <a:t> not </a:t>
-            </a:r>
-            <a:r>
-              <a:rPr lang="da-DK" dirty="0" err="1"/>
-              <a:t>ensure</a:t>
-            </a:r>
-            <a:r>
-              <a:rPr lang="da-DK" dirty="0"/>
-              <a:t> all branches </a:t>
-            </a:r>
-            <a:r>
-              <a:rPr lang="da-DK" dirty="0" err="1"/>
-              <a:t>are</a:t>
-            </a:r>
-            <a:r>
-              <a:rPr lang="da-DK" dirty="0"/>
-              <a:t> </a:t>
-            </a:r>
-            <a:r>
-              <a:rPr lang="da-DK" dirty="0" err="1"/>
-              <a:t>taken</a:t>
-            </a:r>
-            <a:r>
-              <a:rPr lang="da-DK" dirty="0"/>
-              <a:t> (an ”</a:t>
-            </a:r>
-            <a:r>
-              <a:rPr lang="da-DK" dirty="0" err="1"/>
-              <a:t>if</a:t>
-            </a:r>
-            <a:r>
-              <a:rPr lang="da-DK" dirty="0"/>
-              <a:t>:” </a:t>
-            </a:r>
-            <a:r>
-              <a:rPr lang="da-DK" dirty="0" err="1"/>
-              <a:t>might</a:t>
-            </a:r>
-            <a:r>
-              <a:rPr lang="da-DK" dirty="0"/>
-              <a:t> not have an ”</a:t>
-            </a:r>
-            <a:r>
-              <a:rPr lang="da-DK" dirty="0" err="1"/>
-              <a:t>else</a:t>
-            </a:r>
-            <a:r>
-              <a:rPr lang="da-DK" dirty="0"/>
-              <a:t>:” part)</a:t>
-            </a:r>
-          </a:p>
-          <a:p>
-            <a:endParaRPr lang="da-DK" dirty="0"/>
-          </a:p>
-          <a:p>
-            <a:r>
-              <a:rPr lang="da-DK" dirty="0" err="1"/>
-              <a:t>Goldbach’s</a:t>
-            </a:r>
-            <a:r>
-              <a:rPr lang="da-DK" dirty="0"/>
-              <a:t> </a:t>
-            </a:r>
-            <a:r>
-              <a:rPr lang="da-DK" dirty="0" err="1"/>
-              <a:t>weak</a:t>
-            </a:r>
-            <a:r>
-              <a:rPr lang="da-DK" dirty="0"/>
-              <a:t> </a:t>
-            </a:r>
-            <a:r>
-              <a:rPr lang="da-DK" dirty="0" err="1"/>
-              <a:t>conjecture</a:t>
-            </a:r>
-            <a:r>
-              <a:rPr lang="da-DK" dirty="0"/>
-              <a:t> </a:t>
-            </a:r>
-            <a:r>
-              <a:rPr lang="da-DK" dirty="0" err="1"/>
-              <a:t>states</a:t>
-            </a:r>
-            <a:r>
-              <a:rPr lang="da-DK" dirty="0"/>
-              <a:t> </a:t>
-            </a:r>
-            <a:r>
-              <a:rPr lang="da-DK" dirty="0" err="1"/>
-              <a:t>that</a:t>
-            </a:r>
-            <a:r>
-              <a:rPr lang="da-DK" dirty="0"/>
-              <a:t> line 14 </a:t>
-            </a:r>
-            <a:r>
-              <a:rPr lang="da-DK" dirty="0" err="1"/>
-              <a:t>will</a:t>
-            </a:r>
-            <a:r>
-              <a:rPr lang="da-DK" dirty="0"/>
-              <a:t> never </a:t>
-            </a:r>
-            <a:r>
-              <a:rPr lang="da-DK" dirty="0" err="1"/>
-              <a:t>be</a:t>
-            </a:r>
-            <a:r>
-              <a:rPr lang="da-DK" dirty="0"/>
-              <a:t> </a:t>
-            </a:r>
-            <a:r>
-              <a:rPr lang="da-DK" dirty="0" err="1"/>
-              <a:t>executed</a:t>
-            </a:r>
-            <a:r>
-              <a:rPr lang="da-DK" dirty="0"/>
-              <a:t>, </a:t>
-            </a:r>
-            <a:r>
-              <a:rPr lang="da-DK" dirty="0" err="1"/>
-              <a:t>recently</a:t>
-            </a:r>
-            <a:r>
-              <a:rPr lang="da-DK" dirty="0"/>
-              <a:t> </a:t>
-            </a:r>
-            <a:r>
-              <a:rPr lang="da-DK" dirty="0" err="1"/>
-              <a:t>proved</a:t>
-            </a:r>
-            <a:endParaRPr lang="da-DK" dirty="0"/>
-          </a:p>
-          <a:p>
-            <a:endParaRPr lang="da-DK" dirty="0"/>
-          </a:p>
-          <a:p>
-            <a:r>
-              <a:rPr lang="da-DK" dirty="0" err="1"/>
-              <a:t>Sometimes</a:t>
-            </a:r>
-            <a:r>
-              <a:rPr lang="da-DK" dirty="0"/>
-              <a:t> </a:t>
-            </a:r>
-            <a:r>
-              <a:rPr lang="da-DK" dirty="0" err="1"/>
-              <a:t>you</a:t>
-            </a:r>
-            <a:r>
-              <a:rPr lang="da-DK" dirty="0"/>
-              <a:t> </a:t>
-            </a:r>
-            <a:r>
-              <a:rPr lang="da-DK" dirty="0" err="1"/>
-              <a:t>need</a:t>
-            </a:r>
-            <a:r>
-              <a:rPr lang="da-DK" dirty="0"/>
-              <a:t> </a:t>
-            </a:r>
-            <a:r>
-              <a:rPr lang="da-DK" dirty="0" err="1"/>
-              <a:t>significant</a:t>
-            </a:r>
-            <a:r>
-              <a:rPr lang="da-DK" dirty="0"/>
-              <a:t> </a:t>
-            </a:r>
-            <a:r>
-              <a:rPr lang="da-DK" dirty="0" err="1"/>
-              <a:t>insights</a:t>
-            </a:r>
-            <a:r>
-              <a:rPr lang="da-DK" dirty="0"/>
-              <a:t> </a:t>
-            </a:r>
-            <a:r>
-              <a:rPr lang="da-DK" dirty="0" err="1"/>
-              <a:t>into</a:t>
-            </a:r>
-            <a:r>
-              <a:rPr lang="da-DK" dirty="0"/>
-              <a:t> the problem, </a:t>
-            </a:r>
-            <a:r>
-              <a:rPr lang="da-DK" dirty="0" err="1"/>
-              <a:t>why</a:t>
-            </a:r>
-            <a:r>
-              <a:rPr lang="da-DK" dirty="0"/>
-              <a:t> </a:t>
-            </a:r>
-            <a:r>
-              <a:rPr lang="da-DK" dirty="0" err="1"/>
-              <a:t>some</a:t>
-            </a:r>
-            <a:r>
-              <a:rPr lang="da-DK" dirty="0"/>
-              <a:t> </a:t>
-            </a:r>
-            <a:r>
-              <a:rPr lang="da-DK" dirty="0" err="1"/>
-              <a:t>code</a:t>
-            </a:r>
-            <a:r>
-              <a:rPr lang="da-DK" dirty="0"/>
-              <a:t> </a:t>
-            </a:r>
-            <a:r>
-              <a:rPr lang="da-DK" dirty="0" err="1"/>
-              <a:t>can</a:t>
-            </a:r>
-            <a:r>
-              <a:rPr lang="da-DK" dirty="0"/>
-              <a:t> never </a:t>
-            </a:r>
-            <a:r>
-              <a:rPr lang="da-DK" dirty="0" err="1"/>
-              <a:t>be</a:t>
-            </a:r>
-            <a:r>
-              <a:rPr lang="da-DK" dirty="0"/>
-              <a:t> </a:t>
-            </a:r>
-            <a:r>
-              <a:rPr lang="da-DK" dirty="0" err="1"/>
-              <a:t>executed</a:t>
-            </a:r>
-            <a:r>
-              <a:rPr lang="da-DK" dirty="0"/>
-              <a:t>…</a:t>
-            </a:r>
-          </a:p>
-          <a:p>
-            <a:endParaRPr lang="da-DK" dirty="0"/>
-          </a:p>
-          <a:p>
-            <a:endParaRPr lang="da-DK" dirty="0"/>
+              <a:rPr lang="en-US" dirty="0"/>
+              <a:t>default verbosity level is 1;</a:t>
+            </a:r>
+            <a:r>
+              <a:rPr lang="en-US" baseline="0" dirty="0"/>
+              <a:t> level 2 increases the amount of output generated during the </a:t>
+            </a:r>
+            <a:r>
+              <a:rPr lang="en-US" baseline="0"/>
+              <a:t>testing phase</a:t>
+            </a:r>
+            <a:endParaRPr lang="en-US"/>
           </a:p>
         </p:txBody>
       </p:sp>
@@ -2764,7 +2892,7 @@
             <a:spLocks noGrp="1"/>
           </p:cNvSpPr>
           <p:nvPr>
-            <p:ph type="sldNum" sz="quarter" idx="5"/>
+            <p:ph type="sldNum" sz="quarter" idx="10"/>
           </p:nvPr>
         </p:nvSpPr>
         <p:spPr/>
@@ -2774,7 +2902,7 @@
           <a:p>
             <a:fld id="{CD563DD8-32AB-41BE-B1C6-8EAC45222ACE}" type="slidenum">
               <a:rPr lang="en-US" smtClean="0"/>
-              <a:t>26</a:t>
+              <a:t>23</a:t>
             </a:fld>
             <a:endParaRPr lang="en-US"/>
           </a:p>
@@ -2783,7 +2911,7 @@
     </p:spTree>
     <p:extLst>
       <p:ext uri="{BB962C8B-B14F-4D97-AF65-F5344CB8AC3E}">
-        <p14:creationId xmlns:p14="http://schemas.microsoft.com/office/powerpoint/2010/main" val="1773706807"/>
+        <p14:creationId xmlns:p14="http://schemas.microsoft.com/office/powerpoint/2010/main" val="2286903715"/>
       </p:ext>
     </p:extLst>
   </p:cSld>
@@ -2930,7 +3058,7 @@
           <a:p>
             <a:fld id="{0560A9CD-0304-4E0B-9E82-E7E0115DE05B}" type="datetimeFigureOut">
               <a:rPr lang="en-US" smtClean="0"/>
-              <a:t>10/5/2022</a:t>
+              <a:t>3/12/2023</a:t>
             </a:fld>
             <a:endParaRPr lang="en-US"/>
           </a:p>
@@ -3098,7 +3226,7 @@
           <a:p>
             <a:fld id="{0560A9CD-0304-4E0B-9E82-E7E0115DE05B}" type="datetimeFigureOut">
               <a:rPr lang="en-US" smtClean="0"/>
-              <a:t>10/5/2022</a:t>
+              <a:t>3/12/2023</a:t>
             </a:fld>
             <a:endParaRPr lang="en-US"/>
           </a:p>
@@ -3276,7 +3404,7 @@
           <a:p>
             <a:fld id="{0560A9CD-0304-4E0B-9E82-E7E0115DE05B}" type="datetimeFigureOut">
               <a:rPr lang="en-US" smtClean="0"/>
-              <a:t>10/5/2022</a:t>
+              <a:t>3/12/2023</a:t>
             </a:fld>
             <a:endParaRPr lang="en-US"/>
           </a:p>
@@ -3459,7 +3587,7 @@
           <a:p>
             <a:fld id="{0560A9CD-0304-4E0B-9E82-E7E0115DE05B}" type="datetimeFigureOut">
               <a:rPr lang="en-US" smtClean="0"/>
-              <a:t>10/5/2022</a:t>
+              <a:t>3/12/2023</a:t>
             </a:fld>
             <a:endParaRPr lang="en-US"/>
           </a:p>
@@ -3704,7 +3832,7 @@
           <a:p>
             <a:fld id="{0560A9CD-0304-4E0B-9E82-E7E0115DE05B}" type="datetimeFigureOut">
               <a:rPr lang="en-US" smtClean="0"/>
-              <a:t>10/5/2022</a:t>
+              <a:t>3/12/2023</a:t>
             </a:fld>
             <a:endParaRPr lang="en-US"/>
           </a:p>
@@ -3933,7 +4061,7 @@
           <a:p>
             <a:fld id="{0560A9CD-0304-4E0B-9E82-E7E0115DE05B}" type="datetimeFigureOut">
               <a:rPr lang="en-US" smtClean="0"/>
-              <a:t>10/5/2022</a:t>
+              <a:t>3/12/2023</a:t>
             </a:fld>
             <a:endParaRPr lang="en-US"/>
           </a:p>
@@ -4297,7 +4425,7 @@
           <a:p>
             <a:fld id="{0560A9CD-0304-4E0B-9E82-E7E0115DE05B}" type="datetimeFigureOut">
               <a:rPr lang="en-US" smtClean="0"/>
-              <a:t>10/5/2022</a:t>
+              <a:t>3/12/2023</a:t>
             </a:fld>
             <a:endParaRPr lang="en-US"/>
           </a:p>
@@ -4414,7 +4542,7 @@
           <a:p>
             <a:fld id="{0560A9CD-0304-4E0B-9E82-E7E0115DE05B}" type="datetimeFigureOut">
               <a:rPr lang="en-US" smtClean="0"/>
-              <a:t>10/5/2022</a:t>
+              <a:t>3/12/2023</a:t>
             </a:fld>
             <a:endParaRPr lang="en-US"/>
           </a:p>
@@ -4509,7 +4637,7 @@
           <a:p>
             <a:fld id="{0560A9CD-0304-4E0B-9E82-E7E0115DE05B}" type="datetimeFigureOut">
               <a:rPr lang="en-US" smtClean="0"/>
-              <a:t>10/5/2022</a:t>
+              <a:t>3/12/2023</a:t>
             </a:fld>
             <a:endParaRPr lang="en-US"/>
           </a:p>
@@ -4784,7 +4912,7 @@
           <a:p>
             <a:fld id="{0560A9CD-0304-4E0B-9E82-E7E0115DE05B}" type="datetimeFigureOut">
               <a:rPr lang="en-US" smtClean="0"/>
-              <a:t>10/5/2022</a:t>
+              <a:t>3/12/2023</a:t>
             </a:fld>
             <a:endParaRPr lang="en-US"/>
           </a:p>
@@ -5036,7 +5164,7 @@
           <a:p>
             <a:fld id="{0560A9CD-0304-4E0B-9E82-E7E0115DE05B}" type="datetimeFigureOut">
               <a:rPr lang="en-US" smtClean="0"/>
-              <a:t>10/5/2022</a:t>
+              <a:t>3/12/2023</a:t>
             </a:fld>
             <a:endParaRPr lang="en-US"/>
           </a:p>
@@ -5247,7 +5375,7 @@
           <a:p>
             <a:fld id="{0560A9CD-0304-4E0B-9E82-E7E0115DE05B}" type="datetimeFigureOut">
               <a:rPr lang="en-US" smtClean="0"/>
-              <a:t>10/5/2022</a:t>
+              <a:t>3/12/2023</a:t>
             </a:fld>
             <a:endParaRPr lang="en-US"/>
           </a:p>
@@ -41142,13 +41270,15 @@
       <p:cxnSp>
         <p:nvCxnSpPr>
           <p:cNvPr id="6" name="Straight Arrow Connector 5"/>
-          <p:cNvCxnSpPr/>
+          <p:cNvCxnSpPr>
+            <a:cxnSpLocks/>
+          </p:cNvCxnSpPr>
           <p:nvPr/>
         </p:nvCxnSpPr>
         <p:spPr>
           <a:xfrm flipH="1">
-            <a:off x="5937813" y="2787269"/>
-            <a:ext cx="1168733" cy="1766535"/>
+            <a:off x="5937813" y="2433110"/>
+            <a:ext cx="1049396" cy="2120694"/>
           </a:xfrm>
           <a:prstGeom prst="straightConnector1">
             <a:avLst/>
@@ -41739,13 +41869,13 @@
         </p:nvSpPr>
         <p:spPr>
           <a:xfrm>
-            <a:off x="6905763" y="1454790"/>
-            <a:ext cx="5062855" cy="3099014"/>
+            <a:off x="6905763" y="1107547"/>
+            <a:ext cx="5062855" cy="3175939"/>
           </a:xfrm>
         </p:spPr>
         <p:txBody>
           <a:bodyPr>
-            <a:normAutofit/>
+            <a:normAutofit lnSpcReduction="10000"/>
           </a:bodyPr>
           <a:lstStyle/>
           <a:p>
@@ -41849,6 +41979,81 @@
             <a:r>
               <a:rPr lang="da-DK" sz="2600" dirty="0" err="1"/>
               <a:t>exception</a:t>
+            </a:r>
+            <a:endParaRPr lang="da-DK" sz="2600" dirty="0"/>
+          </a:p>
+          <a:p>
+            <a:r>
+              <a:rPr lang="da-DK" sz="2600" dirty="0" err="1"/>
+              <a:t>try</a:t>
+            </a:r>
+            <a:r>
+              <a:rPr lang="da-DK" sz="2600" dirty="0"/>
+              <a:t> to </a:t>
+            </a:r>
+            <a:r>
+              <a:rPr lang="da-DK" sz="2600" dirty="0" err="1">
+                <a:hlinkClick r:id="rId3"/>
+              </a:rPr>
+              <a:t>fail</a:t>
+            </a:r>
+            <a:r>
+              <a:rPr lang="da-DK" sz="2600" dirty="0">
+                <a:hlinkClick r:id="rId3"/>
+              </a:rPr>
+              <a:t> fast</a:t>
+            </a:r>
+            <a:r>
+              <a:rPr lang="da-DK" sz="2600" dirty="0"/>
+              <a:t> to </a:t>
+            </a:r>
+            <a:r>
+              <a:rPr lang="da-DK" sz="2600" dirty="0" err="1"/>
+              <a:t>discover</a:t>
+            </a:r>
+            <a:r>
+              <a:rPr lang="da-DK" sz="2600" dirty="0"/>
+              <a:t> </a:t>
+            </a:r>
+            <a:r>
+              <a:rPr lang="da-DK" sz="2600" dirty="0" err="1"/>
+              <a:t>errors</a:t>
+            </a:r>
+            <a:r>
+              <a:rPr lang="da-DK" sz="2600" dirty="0"/>
+              <a:t> </a:t>
+            </a:r>
+            <a:r>
+              <a:rPr lang="da-DK" sz="2600" dirty="0" err="1"/>
+              <a:t>early</a:t>
+            </a:r>
+            <a:r>
+              <a:rPr lang="da-DK" sz="2600" dirty="0"/>
+              <a:t> – </a:t>
+            </a:r>
+            <a:r>
+              <a:rPr lang="da-DK" sz="2600" dirty="0" err="1"/>
+              <a:t>making</a:t>
+            </a:r>
+            <a:r>
+              <a:rPr lang="da-DK" sz="2600" dirty="0"/>
+              <a:t> </a:t>
+            </a:r>
+            <a:r>
+              <a:rPr lang="da-DK" sz="2600" dirty="0" err="1"/>
+              <a:t>debugging</a:t>
+            </a:r>
+            <a:r>
+              <a:rPr lang="da-DK" sz="2600" dirty="0"/>
+              <a:t> </a:t>
+            </a:r>
+            <a:r>
+              <a:rPr lang="da-DK" sz="2600" dirty="0" err="1"/>
+              <a:t>easier</a:t>
+            </a:r>
+            <a:r>
+              <a:rPr lang="da-DK" sz="2600" dirty="0"/>
+              <a:t> </a:t>
             </a:r>
             <a:endParaRPr lang="en-US" sz="2600" dirty="0">
               <a:latin typeface="Courier New" panose="02070309020205020404" pitchFamily="49" charset="0"/>
@@ -42019,7 +42224,7 @@
                             </p:stCondLst>
                             <p:childTnLst>
                               <p:par>
-                                <p:cTn id="16" presetID="10" presetClass="entr" presetSubtype="0" fill="hold" nodeType="clickEffect">
+                                <p:cTn id="16" presetID="10" presetClass="entr" presetSubtype="0" fill="hold" grpId="0" nodeType="clickEffect">
                                   <p:stCondLst>
                                     <p:cond delay="0"/>
                                   </p:stCondLst>
@@ -42027,6 +42232,67 @@
                                     <p:set>
                                       <p:cBhvr>
                                         <p:cTn id="17" dur="1" fill="hold">
+                                          <p:stCondLst>
+                                            <p:cond delay="0"/>
+                                          </p:stCondLst>
+                                        </p:cTn>
+                                        <p:tgtEl>
+                                          <p:spTgt spid="12">
+                                            <p:txEl>
+                                              <p:pRg st="2" end="2"/>
+                                            </p:txEl>
+                                          </p:spTgt>
+                                        </p:tgtEl>
+                                        <p:attrNameLst>
+                                          <p:attrName>style.visibility</p:attrName>
+                                        </p:attrNameLst>
+                                      </p:cBhvr>
+                                      <p:to>
+                                        <p:strVal val="visible"/>
+                                      </p:to>
+                                    </p:set>
+                                    <p:animEffect transition="in" filter="fade">
+                                      <p:cBhvr>
+                                        <p:cTn id="18" dur="500"/>
+                                        <p:tgtEl>
+                                          <p:spTgt spid="12">
+                                            <p:txEl>
+                                              <p:pRg st="2" end="2"/>
+                                            </p:txEl>
+                                          </p:spTgt>
+                                        </p:tgtEl>
+                                      </p:cBhvr>
+                                    </p:animEffect>
+                                  </p:childTnLst>
+                                </p:cTn>
+                              </p:par>
+                            </p:childTnLst>
+                          </p:cTn>
+                        </p:par>
+                      </p:childTnLst>
+                    </p:cTn>
+                  </p:par>
+                  <p:par>
+                    <p:cTn id="19" fill="hold">
+                      <p:stCondLst>
+                        <p:cond delay="indefinite"/>
+                      </p:stCondLst>
+                      <p:childTnLst>
+                        <p:par>
+                          <p:cTn id="20" fill="hold">
+                            <p:stCondLst>
+                              <p:cond delay="0"/>
+                            </p:stCondLst>
+                            <p:childTnLst>
+                              <p:par>
+                                <p:cTn id="21" presetID="10" presetClass="entr" presetSubtype="0" fill="hold" nodeType="clickEffect">
+                                  <p:stCondLst>
+                                    <p:cond delay="0"/>
+                                  </p:stCondLst>
+                                  <p:childTnLst>
+                                    <p:set>
+                                      <p:cBhvr>
+                                        <p:cTn id="22" dur="1" fill="hold">
                                           <p:stCondLst>
                                             <p:cond delay="0"/>
                                           </p:stCondLst>
@@ -42044,7 +42310,7 @@
                                     </p:set>
                                     <p:animEffect transition="in" filter="fade">
                                       <p:cBhvr>
-                                        <p:cTn id="18" dur="500"/>
+                                        <p:cTn id="23" dur="500"/>
                                         <p:tgtEl>
                                           <p:spTgt spid="7"/>
                                         </p:tgtEl>
